--- a/ppt/ch9.pptx
+++ b/ppt/ch9.pptx
@@ -258,7 +258,7 @@
           <a:p>
             <a:fld id="{CB0B269E-758F-4B86-AFFA-47A9A022EBC0}" type="datetimeFigureOut">
               <a:rPr lang="zh-CN" altLang="en-US" smtClean="0"/>
-              <a:t>2018/12/5</a:t>
+              <a:t>2018/12/10</a:t>
             </a:fld>
             <a:endParaRPr lang="zh-CN" altLang="en-US"/>
           </a:p>
@@ -1515,7 +1515,7 @@
               <a:pPr>
                 <a:defRPr/>
               </a:pPr>
-              <a:t>2018/12/5</a:t>
+              <a:t>2018/12/10</a:t>
             </a:fld>
             <a:endParaRPr lang="zh-CN" altLang="en-US"/>
           </a:p>
@@ -1707,7 +1707,7 @@
               <a:pPr>
                 <a:defRPr/>
               </a:pPr>
-              <a:t>2018/12/5</a:t>
+              <a:t>2018/12/10</a:t>
             </a:fld>
             <a:endParaRPr lang="zh-CN" altLang="en-US"/>
           </a:p>
@@ -1909,7 +1909,7 @@
               <a:pPr>
                 <a:defRPr/>
               </a:pPr>
-              <a:t>2018/12/5</a:t>
+              <a:t>2018/12/10</a:t>
             </a:fld>
             <a:endParaRPr lang="zh-CN" altLang="en-US"/>
           </a:p>
@@ -2101,7 +2101,7 @@
               <a:pPr>
                 <a:defRPr/>
               </a:pPr>
-              <a:t>2018/12/5</a:t>
+              <a:t>2018/12/10</a:t>
             </a:fld>
             <a:endParaRPr lang="zh-CN" altLang="en-US"/>
           </a:p>
@@ -2369,7 +2369,7 @@
               <a:pPr>
                 <a:defRPr/>
               </a:pPr>
-              <a:t>2018/12/5</a:t>
+              <a:t>2018/12/10</a:t>
             </a:fld>
             <a:endParaRPr lang="zh-CN" altLang="en-US"/>
           </a:p>
@@ -2623,7 +2623,7 @@
               <a:pPr>
                 <a:defRPr/>
               </a:pPr>
-              <a:t>2018/12/5</a:t>
+              <a:t>2018/12/10</a:t>
             </a:fld>
             <a:endParaRPr lang="zh-CN" altLang="en-US"/>
           </a:p>
@@ -3012,7 +3012,7 @@
               <a:pPr>
                 <a:defRPr/>
               </a:pPr>
-              <a:t>2018/12/5</a:t>
+              <a:t>2018/12/10</a:t>
             </a:fld>
             <a:endParaRPr lang="zh-CN" altLang="en-US"/>
           </a:p>
@@ -3152,7 +3152,7 @@
               <a:pPr>
                 <a:defRPr/>
               </a:pPr>
-              <a:t>2018/12/5</a:t>
+              <a:t>2018/12/10</a:t>
             </a:fld>
             <a:endParaRPr lang="zh-CN" altLang="en-US"/>
           </a:p>
@@ -3269,7 +3269,7 @@
               <a:pPr>
                 <a:defRPr/>
               </a:pPr>
-              <a:t>2018/12/5</a:t>
+              <a:t>2018/12/10</a:t>
             </a:fld>
             <a:endParaRPr lang="zh-CN" altLang="en-US"/>
           </a:p>
@@ -3568,7 +3568,7 @@
               <a:pPr>
                 <a:defRPr/>
               </a:pPr>
-              <a:t>2018/12/5</a:t>
+              <a:t>2018/12/10</a:t>
             </a:fld>
             <a:endParaRPr lang="zh-CN" altLang="en-US"/>
           </a:p>
@@ -3846,7 +3846,7 @@
               <a:pPr>
                 <a:defRPr/>
               </a:pPr>
-              <a:t>2018/12/5</a:t>
+              <a:t>2018/12/10</a:t>
             </a:fld>
             <a:endParaRPr lang="zh-CN" altLang="en-US"/>
           </a:p>
@@ -4109,7 +4109,7 @@
               <a:pPr>
                 <a:defRPr/>
               </a:pPr>
-              <a:t>2018/12/5</a:t>
+              <a:t>2018/12/10</a:t>
             </a:fld>
             <a:endParaRPr lang="zh-CN" altLang="en-US"/>
           </a:p>
@@ -5387,7 +5387,7 @@
           </a:ln>
           <a:extLst>
             <a:ext uri="{91240B29-F687-4f45-9708-019B960494DF}">
-              <a14:hiddenLine xmlns="" xmlns:a14="http://schemas.microsoft.com/office/drawing/2010/main" w="12700" cap="flat" cmpd="sng">
+              <a14:hiddenLine xmlns:a14="http://schemas.microsoft.com/office/drawing/2010/main" xmlns="" w="12700" cap="flat" cmpd="sng">
                 <a:solidFill>
                   <a:srgbClr val="42719B"/>
                 </a:solidFill>
@@ -6775,7 +6775,7 @@
           <a:effectLst/>
           <a:extLst>
             <a:ext uri="{91240B29-F687-4f45-9708-019B960494DF}">
-              <a14:hiddenLine xmlns="" xmlns:a14="http://schemas.microsoft.com/office/drawing/2010/main" w="9525">
+              <a14:hiddenLine xmlns:a14="http://schemas.microsoft.com/office/drawing/2010/main" xmlns="" w="9525">
                 <a:solidFill>
                   <a:schemeClr val="tx1"/>
                 </a:solidFill>
@@ -6785,7 +6785,7 @@
               </a14:hiddenLine>
             </a:ext>
             <a:ext uri="{AF507438-7753-43e0-B8FC-AC1667EBCBE1}">
-              <a14:hiddenEffects xmlns="" xmlns:a14="http://schemas.microsoft.com/office/drawing/2010/main">
+              <a14:hiddenEffects xmlns:a14="http://schemas.microsoft.com/office/drawing/2010/main" xmlns="">
                 <a:effectLst>
                   <a:outerShdw dist="35921" dir="2700000" algn="ctr" rotWithShape="0">
                     <a:schemeClr val="bg2"/>
@@ -10539,7 +10539,7 @@
           <a:effectLst/>
           <a:extLst>
             <a:ext uri="{91240B29-F687-4f45-9708-019B960494DF}">
-              <a14:hiddenLine xmlns="" xmlns:a14="http://schemas.microsoft.com/office/drawing/2010/main" w="9525">
+              <a14:hiddenLine xmlns:a14="http://schemas.microsoft.com/office/drawing/2010/main" xmlns="" w="9525">
                 <a:solidFill>
                   <a:schemeClr val="tx1"/>
                 </a:solidFill>
@@ -10549,7 +10549,7 @@
               </a14:hiddenLine>
             </a:ext>
             <a:ext uri="{AF507438-7753-43e0-B8FC-AC1667EBCBE1}">
-              <a14:hiddenEffects xmlns="" xmlns:a14="http://schemas.microsoft.com/office/drawing/2010/main">
+              <a14:hiddenEffects xmlns:a14="http://schemas.microsoft.com/office/drawing/2010/main" xmlns="">
                 <a:effectLst>
                   <a:outerShdw dist="35921" dir="2700000" algn="ctr" rotWithShape="0">
                     <a:schemeClr val="bg2"/>
@@ -10944,7 +10944,7 @@
           <a:effectLst/>
           <a:extLst>
             <a:ext uri="{91240B29-F687-4f45-9708-019B960494DF}">
-              <a14:hiddenLine xmlns="" xmlns:a14="http://schemas.microsoft.com/office/drawing/2010/main" w="9525">
+              <a14:hiddenLine xmlns:a14="http://schemas.microsoft.com/office/drawing/2010/main" xmlns="" w="9525">
                 <a:solidFill>
                   <a:schemeClr val="tx1"/>
                 </a:solidFill>
@@ -10954,7 +10954,7 @@
               </a14:hiddenLine>
             </a:ext>
             <a:ext uri="{AF507438-7753-43e0-B8FC-AC1667EBCBE1}">
-              <a14:hiddenEffects xmlns="" xmlns:a14="http://schemas.microsoft.com/office/drawing/2010/main">
+              <a14:hiddenEffects xmlns:a14="http://schemas.microsoft.com/office/drawing/2010/main" xmlns="">
                 <a:effectLst>
                   <a:outerShdw dist="35921" dir="2700000" algn="ctr" rotWithShape="0">
                     <a:schemeClr val="bg2"/>
@@ -13286,7 +13286,7 @@
           <a:effectLst/>
           <a:extLst>
             <a:ext uri="{91240B29-F687-4f45-9708-019B960494DF}">
-              <a14:hiddenLine xmlns="" xmlns:a14="http://schemas.microsoft.com/office/drawing/2010/main" w="9525">
+              <a14:hiddenLine xmlns:a14="http://schemas.microsoft.com/office/drawing/2010/main" xmlns="" w="9525">
                 <a:solidFill>
                   <a:schemeClr val="tx1"/>
                 </a:solidFill>
@@ -13296,7 +13296,7 @@
               </a14:hiddenLine>
             </a:ext>
             <a:ext uri="{AF507438-7753-43e0-B8FC-AC1667EBCBE1}">
-              <a14:hiddenEffects xmlns="" xmlns:a14="http://schemas.microsoft.com/office/drawing/2010/main">
+              <a14:hiddenEffects xmlns:a14="http://schemas.microsoft.com/office/drawing/2010/main" xmlns="">
                 <a:effectLst>
                   <a:outerShdw dist="35921" dir="2700000" algn="ctr" rotWithShape="0">
                     <a:schemeClr val="bg2"/>
@@ -16202,14 +16202,14 @@
           </a:ln>
           <a:extLst>
             <a:ext uri="{909E8E84-426E-40dd-AFC4-6F175D3DCCD1}">
-              <a14:hiddenFill xmlns="" xmlns:a14="http://schemas.microsoft.com/office/drawing/2010/main">
+              <a14:hiddenFill xmlns:a14="http://schemas.microsoft.com/office/drawing/2010/main" xmlns="">
                 <a:solidFill>
                   <a:srgbClr val="FFFFFF"/>
                 </a:solidFill>
               </a14:hiddenFill>
             </a:ext>
             <a:ext uri="{91240B29-F687-4f45-9708-019B960494DF}">
-              <a14:hiddenLine xmlns="" xmlns:a14="http://schemas.microsoft.com/office/drawing/2010/main" w="9525">
+              <a14:hiddenLine xmlns:a14="http://schemas.microsoft.com/office/drawing/2010/main" xmlns="" w="9525">
                 <a:solidFill>
                   <a:srgbClr val="000000"/>
                 </a:solidFill>
@@ -20497,14 +20497,14 @@
           </a:ln>
           <a:extLst>
             <a:ext uri="{909E8E84-426E-40dd-AFC4-6F175D3DCCD1}">
-              <a14:hiddenFill xmlns="" xmlns:a14="http://schemas.microsoft.com/office/drawing/2010/main">
+              <a14:hiddenFill xmlns:a14="http://schemas.microsoft.com/office/drawing/2010/main" xmlns="">
                 <a:solidFill>
                   <a:srgbClr val="FFFFFF"/>
                 </a:solidFill>
               </a14:hiddenFill>
             </a:ext>
             <a:ext uri="{91240B29-F687-4f45-9708-019B960494DF}">
-              <a14:hiddenLine xmlns="" xmlns:a14="http://schemas.microsoft.com/office/drawing/2010/main" w="9525">
+              <a14:hiddenLine xmlns:a14="http://schemas.microsoft.com/office/drawing/2010/main" xmlns="" w="9525">
                 <a:solidFill>
                   <a:srgbClr val="000000"/>
                 </a:solidFill>
@@ -20703,14 +20703,14 @@
           </a:ln>
           <a:extLst>
             <a:ext uri="{909E8E84-426E-40dd-AFC4-6F175D3DCCD1}">
-              <a14:hiddenFill xmlns="" xmlns:a14="http://schemas.microsoft.com/office/drawing/2010/main">
+              <a14:hiddenFill xmlns:a14="http://schemas.microsoft.com/office/drawing/2010/main" xmlns="">
                 <a:solidFill>
                   <a:srgbClr val="FFFFFF"/>
                 </a:solidFill>
               </a14:hiddenFill>
             </a:ext>
             <a:ext uri="{91240B29-F687-4f45-9708-019B960494DF}">
-              <a14:hiddenLine xmlns="" xmlns:a14="http://schemas.microsoft.com/office/drawing/2010/main" w="9525">
+              <a14:hiddenLine xmlns:a14="http://schemas.microsoft.com/office/drawing/2010/main" xmlns="" w="9525">
                 <a:solidFill>
                   <a:srgbClr val="000000"/>
                 </a:solidFill>
@@ -20960,14 +20960,14 @@
           </a:ln>
           <a:extLst>
             <a:ext uri="{909E8E84-426E-40dd-AFC4-6F175D3DCCD1}">
-              <a14:hiddenFill xmlns="" xmlns:a14="http://schemas.microsoft.com/office/drawing/2010/main">
+              <a14:hiddenFill xmlns:a14="http://schemas.microsoft.com/office/drawing/2010/main" xmlns="">
                 <a:solidFill>
                   <a:srgbClr val="FFFFFF"/>
                 </a:solidFill>
               </a14:hiddenFill>
             </a:ext>
             <a:ext uri="{91240B29-F687-4f45-9708-019B960494DF}">
-              <a14:hiddenLine xmlns="" xmlns:a14="http://schemas.microsoft.com/office/drawing/2010/main" w="9525">
+              <a14:hiddenLine xmlns:a14="http://schemas.microsoft.com/office/drawing/2010/main" xmlns="" w="9525">
                 <a:solidFill>
                   <a:srgbClr val="000000"/>
                 </a:solidFill>
@@ -21207,14 +21207,14 @@
           </a:ln>
           <a:extLst>
             <a:ext uri="{909E8E84-426E-40dd-AFC4-6F175D3DCCD1}">
-              <a14:hiddenFill xmlns="" xmlns:a14="http://schemas.microsoft.com/office/drawing/2010/main">
+              <a14:hiddenFill xmlns:a14="http://schemas.microsoft.com/office/drawing/2010/main" xmlns="">
                 <a:solidFill>
                   <a:srgbClr val="FFFFFF"/>
                 </a:solidFill>
               </a14:hiddenFill>
             </a:ext>
             <a:ext uri="{91240B29-F687-4f45-9708-019B960494DF}">
-              <a14:hiddenLine xmlns="" xmlns:a14="http://schemas.microsoft.com/office/drawing/2010/main" w="9525">
+              <a14:hiddenLine xmlns:a14="http://schemas.microsoft.com/office/drawing/2010/main" xmlns="" w="9525">
                 <a:solidFill>
                   <a:srgbClr val="000000"/>
                 </a:solidFill>
@@ -21447,14 +21447,14 @@
           </a:ln>
           <a:extLst>
             <a:ext uri="{909E8E84-426E-40dd-AFC4-6F175D3DCCD1}">
-              <a14:hiddenFill xmlns="" xmlns:a14="http://schemas.microsoft.com/office/drawing/2010/main">
+              <a14:hiddenFill xmlns:a14="http://schemas.microsoft.com/office/drawing/2010/main" xmlns="">
                 <a:solidFill>
                   <a:srgbClr val="FFFFFF"/>
                 </a:solidFill>
               </a14:hiddenFill>
             </a:ext>
             <a:ext uri="{91240B29-F687-4f45-9708-019B960494DF}">
-              <a14:hiddenLine xmlns="" xmlns:a14="http://schemas.microsoft.com/office/drawing/2010/main" w="9525">
+              <a14:hiddenLine xmlns:a14="http://schemas.microsoft.com/office/drawing/2010/main" xmlns="" w="9525">
                 <a:solidFill>
                   <a:srgbClr val="000000"/>
                 </a:solidFill>
@@ -21696,14 +21696,14 @@
           </a:ln>
           <a:extLst>
             <a:ext uri="{909E8E84-426E-40dd-AFC4-6F175D3DCCD1}">
-              <a14:hiddenFill xmlns="" xmlns:a14="http://schemas.microsoft.com/office/drawing/2010/main">
+              <a14:hiddenFill xmlns:a14="http://schemas.microsoft.com/office/drawing/2010/main" xmlns="">
                 <a:solidFill>
                   <a:srgbClr val="FFFFFF"/>
                 </a:solidFill>
               </a14:hiddenFill>
             </a:ext>
             <a:ext uri="{91240B29-F687-4f45-9708-019B960494DF}">
-              <a14:hiddenLine xmlns="" xmlns:a14="http://schemas.microsoft.com/office/drawing/2010/main" w="9525">
+              <a14:hiddenLine xmlns:a14="http://schemas.microsoft.com/office/drawing/2010/main" xmlns="" w="9525">
                 <a:solidFill>
                   <a:srgbClr val="000000"/>
                 </a:solidFill>
@@ -22819,7 +22819,7 @@
           <a:effectLst/>
           <a:extLst>
             <a:ext uri="{91240B29-F687-4f45-9708-019B960494DF}">
-              <a14:hiddenLine xmlns="" xmlns:a14="http://schemas.microsoft.com/office/drawing/2010/main" w="9525">
+              <a14:hiddenLine xmlns:a14="http://schemas.microsoft.com/office/drawing/2010/main" xmlns="" w="9525">
                 <a:solidFill>
                   <a:schemeClr val="tx1"/>
                 </a:solidFill>
@@ -22829,7 +22829,7 @@
               </a14:hiddenLine>
             </a:ext>
             <a:ext uri="{AF507438-7753-43e0-B8FC-AC1667EBCBE1}">
-              <a14:hiddenEffects xmlns="" xmlns:a14="http://schemas.microsoft.com/office/drawing/2010/main">
+              <a14:hiddenEffects xmlns:a14="http://schemas.microsoft.com/office/drawing/2010/main" xmlns="">
                 <a:effectLst>
                   <a:outerShdw dist="35921" dir="2700000" algn="ctr" rotWithShape="0">
                     <a:schemeClr val="bg2"/>
@@ -23387,7 +23387,17 @@
                   <a:latin typeface="Calibri" pitchFamily="34" charset="0"/>
                   <a:ea typeface="微软雅黑" pitchFamily="34" charset="-122"/>
                 </a:rPr>
-                <a:t> observer)</a:t>
+                <a:t> observer</a:t>
+              </a:r>
+              <a:r>
+                <a:rPr lang="en-US" altLang="zh-CN" dirty="0" smtClean="0">
+                  <a:solidFill>
+                    <a:schemeClr val="bg1"/>
+                  </a:solidFill>
+                  <a:latin typeface="Calibri" pitchFamily="34" charset="0"/>
+                  <a:ea typeface="微软雅黑" pitchFamily="34" charset="-122"/>
+                </a:rPr>
+                <a:t>)</a:t>
               </a:r>
               <a:endParaRPr lang="zh-CN" altLang="en-US" dirty="0">
                 <a:solidFill>
@@ -26291,7 +26301,7 @@
           <a:effectLst/>
           <a:extLst>
             <a:ext uri="{91240B29-F687-4f45-9708-019B960494DF}">
-              <a14:hiddenLine xmlns="" xmlns:a14="http://schemas.microsoft.com/office/drawing/2010/main" w="9525">
+              <a14:hiddenLine xmlns:a14="http://schemas.microsoft.com/office/drawing/2010/main" xmlns="" w="9525">
                 <a:solidFill>
                   <a:schemeClr val="tx1"/>
                 </a:solidFill>
@@ -26301,7 +26311,7 @@
               </a14:hiddenLine>
             </a:ext>
             <a:ext uri="{AF507438-7753-43e0-B8FC-AC1667EBCBE1}">
-              <a14:hiddenEffects xmlns="" xmlns:a14="http://schemas.microsoft.com/office/drawing/2010/main">
+              <a14:hiddenEffects xmlns:a14="http://schemas.microsoft.com/office/drawing/2010/main" xmlns="">
                 <a:effectLst>
                   <a:outerShdw dist="35921" dir="2700000" algn="ctr" rotWithShape="0">
                     <a:schemeClr val="bg2"/>
@@ -26991,7 +27001,7 @@
             <a:effectLst/>
             <a:extLst>
               <a:ext uri="{91240B29-F687-4f45-9708-019B960494DF}">
-                <a14:hiddenLine xmlns="" xmlns:a14="http://schemas.microsoft.com/office/drawing/2010/main" w="9525">
+                <a14:hiddenLine xmlns:a14="http://schemas.microsoft.com/office/drawing/2010/main" xmlns="" w="9525">
                   <a:solidFill>
                     <a:schemeClr val="tx1"/>
                   </a:solidFill>
@@ -27001,7 +27011,7 @@
                 </a14:hiddenLine>
               </a:ext>
               <a:ext uri="{AF507438-7753-43e0-B8FC-AC1667EBCBE1}">
-                <a14:hiddenEffects xmlns="" xmlns:a14="http://schemas.microsoft.com/office/drawing/2010/main">
+                <a14:hiddenEffects xmlns:a14="http://schemas.microsoft.com/office/drawing/2010/main" xmlns="">
                   <a:effectLst>
                     <a:outerShdw dist="35921" dir="2700000" algn="ctr" rotWithShape="0">
                       <a:schemeClr val="bg2"/>
@@ -27173,7 +27183,7 @@
             <a:effectLst/>
             <a:extLst>
               <a:ext uri="{91240B29-F687-4f45-9708-019B960494DF}">
-                <a14:hiddenLine xmlns="" xmlns:a14="http://schemas.microsoft.com/office/drawing/2010/main" w="9525">
+                <a14:hiddenLine xmlns:a14="http://schemas.microsoft.com/office/drawing/2010/main" xmlns="" w="9525">
                   <a:solidFill>
                     <a:schemeClr val="tx1"/>
                   </a:solidFill>
@@ -27183,7 +27193,7 @@
                 </a14:hiddenLine>
               </a:ext>
               <a:ext uri="{AF507438-7753-43e0-B8FC-AC1667EBCBE1}">
-                <a14:hiddenEffects xmlns="" xmlns:a14="http://schemas.microsoft.com/office/drawing/2010/main">
+                <a14:hiddenEffects xmlns:a14="http://schemas.microsoft.com/office/drawing/2010/main" xmlns="">
                   <a:effectLst>
                     <a:outerShdw dist="35921" dir="2700000" algn="ctr" rotWithShape="0">
                       <a:schemeClr val="bg2"/>
